--- a/svx/qa/unit/data/tdf150020-shadow-alignment.pptx
+++ b/svx/qa/unit/data/tdf150020-shadow-alignment.pptx
@@ -1,14 +1,15 @@
 
 <file path=ppt/presentation.xml><?xml version="1.0" encoding="utf-8"?>
-<p:presentation xmlns:a="http://schemas.openxmlformats.org/drawingml/2006/main" xmlns:r="http://schemas.openxmlformats.org/officeDocument/2006/relationships" xmlns:p="http://schemas.openxmlformats.org/presentationml/2006/main" showSpecialPlsOnTitleSld="0" strictFirstAndLastChars="0" saveSubsetFonts="1">
+<p:presentation xmlns:a="http://schemas.openxmlformats.org/drawingml/2006/main" xmlns:r="http://schemas.openxmlformats.org/officeDocument/2006/relationships" xmlns:p="http://schemas.openxmlformats.org/presentationml/2006/main" showSpecialPlsOnTitleSld="0" removePersonalInfoOnSave="1" strictFirstAndLastChars="0" saveSubsetFonts="1">
   <p:sldMasterIdLst>
-    <p:sldMasterId id="2147483762" r:id="rId4"/>
+    <p:sldMasterId id="2147483762" r:id="rId1"/>
   </p:sldMasterIdLst>
   <p:notesMasterIdLst>
-    <p:notesMasterId r:id="rId6"/>
+    <p:notesMasterId r:id="rId4"/>
   </p:notesMasterIdLst>
   <p:sldIdLst>
-    <p:sldId id="2147470180" r:id="rId5"/>
+    <p:sldId id="2147470180" r:id="rId2"/>
+    <p:sldId id="2147470181" r:id="rId3"/>
   </p:sldIdLst>
   <p:sldSz cx="12192000" cy="6858000"/>
   <p:notesSz cx="9144000" cy="6858000"/>
@@ -125,27 +126,7 @@
 
 <file path=ppt/commentAuthors.xml><?xml version="1.0" encoding="utf-8"?>
 <p:cmAuthorLst xmlns:a="http://schemas.openxmlformats.org/drawingml/2006/main" xmlns:r="http://schemas.openxmlformats.org/officeDocument/2006/relationships" xmlns:p="http://schemas.openxmlformats.org/presentationml/2006/main">
-  <p:cmAuthor id="1" name="Michal Svec" initials="MS" lastIdx="2" clrIdx="0">
-    <p:extLst>
-      <p:ext uri="{19B8F6BF-5375-455C-9EA6-DF929625EA0E}">
-        <p15:presenceInfo xmlns:p15="http://schemas.microsoft.com/office/powerpoint/2012/main" userId="S::msvec@suse.com::e0a16f7c-14ff-4656-965a-4065c755279a" providerId="AD"/>
-      </p:ext>
-    </p:extLst>
-  </p:cmAuthor>
-  <p:cmAuthor id="2" name="Kate O'Twelftree" initials="KO" lastIdx="3" clrIdx="1">
-    <p:extLst>
-      <p:ext uri="{19B8F6BF-5375-455C-9EA6-DF929625EA0E}">
-        <p15:presenceInfo xmlns:p15="http://schemas.microsoft.com/office/powerpoint/2012/main" userId="S::kate.otwelftree@suse.com::a6548982-0042-47bc-800e-3be9eee93890" providerId="AD"/>
-      </p:ext>
-    </p:extLst>
-  </p:cmAuthor>
-  <p:cmAuthor id="3" name="Jeff Reser" initials="JR [2]" lastIdx="3" clrIdx="2">
-    <p:extLst>
-      <p:ext uri="{19B8F6BF-5375-455C-9EA6-DF929625EA0E}">
-        <p15:presenceInfo xmlns:p15="http://schemas.microsoft.com/office/powerpoint/2012/main" userId="Jeff Reser" providerId="None"/>
-      </p:ext>
-    </p:extLst>
-  </p:cmAuthor>
+  <p:cmAuthor id="4" name="Author" initials="A" lastIdx="0" clrIdx="3"/>
 </p:cmAuthorLst>
 </file>
 
@@ -242,7 +223,7 @@
           <a:p>
             <a:fld id="{D0B5CFFD-C28E-4F99-A0AE-37E23A3D8A38}" type="datetimeFigureOut">
               <a:rPr lang="en-US" smtClean="0"/>
-              <a:t>3/15/2023</a:t>
+              <a:t>4/19/2023</a:t>
             </a:fld>
             <a:endParaRPr lang="en-US"/>
           </a:p>
@@ -726,7 +707,7 @@
           <a:p>
             <a:fld id="{C764DE79-268F-4C1A-8933-263129D2AF90}" type="datetimeFigureOut">
               <a:rPr lang="en-US" dirty="0"/>
-              <a:t>3/15/2023</a:t>
+              <a:t>4/19/2023</a:t>
             </a:fld>
             <a:endParaRPr lang="en-US" dirty="0"/>
           </a:p>
@@ -894,7 +875,7 @@
           <a:p>
             <a:fld id="{C764DE79-268F-4C1A-8933-263129D2AF90}" type="datetimeFigureOut">
               <a:rPr lang="en-US" dirty="0"/>
-              <a:t>3/15/2023</a:t>
+              <a:t>4/19/2023</a:t>
             </a:fld>
             <a:endParaRPr lang="en-US" dirty="0"/>
           </a:p>
@@ -1072,7 +1053,7 @@
           <a:p>
             <a:fld id="{C764DE79-268F-4C1A-8933-263129D2AF90}" type="datetimeFigureOut">
               <a:rPr lang="en-US" dirty="0"/>
-              <a:t>3/15/2023</a:t>
+              <a:t>4/19/2023</a:t>
             </a:fld>
             <a:endParaRPr lang="en-US" dirty="0"/>
           </a:p>
@@ -1240,7 +1221,7 @@
           <a:p>
             <a:fld id="{C764DE79-268F-4C1A-8933-263129D2AF90}" type="datetimeFigureOut">
               <a:rPr lang="en-US" dirty="0"/>
-              <a:t>3/15/2023</a:t>
+              <a:t>4/19/2023</a:t>
             </a:fld>
             <a:endParaRPr lang="en-US" dirty="0"/>
           </a:p>
@@ -1485,7 +1466,7 @@
           <a:p>
             <a:fld id="{C764DE79-268F-4C1A-8933-263129D2AF90}" type="datetimeFigureOut">
               <a:rPr lang="en-US" dirty="0"/>
-              <a:t>3/15/2023</a:t>
+              <a:t>4/19/2023</a:t>
             </a:fld>
             <a:endParaRPr lang="en-US" dirty="0"/>
           </a:p>
@@ -1714,7 +1695,7 @@
           <a:p>
             <a:fld id="{C764DE79-268F-4C1A-8933-263129D2AF90}" type="datetimeFigureOut">
               <a:rPr lang="en-US" dirty="0"/>
-              <a:t>3/15/2023</a:t>
+              <a:t>4/19/2023</a:t>
             </a:fld>
             <a:endParaRPr lang="en-US" dirty="0"/>
           </a:p>
@@ -2078,7 +2059,7 @@
           <a:p>
             <a:fld id="{C764DE79-268F-4C1A-8933-263129D2AF90}" type="datetimeFigureOut">
               <a:rPr lang="en-US" dirty="0"/>
-              <a:t>3/15/2023</a:t>
+              <a:t>4/19/2023</a:t>
             </a:fld>
             <a:endParaRPr lang="en-US" dirty="0"/>
           </a:p>
@@ -2195,7 +2176,7 @@
           <a:p>
             <a:fld id="{C764DE79-268F-4C1A-8933-263129D2AF90}" type="datetimeFigureOut">
               <a:rPr lang="en-US" dirty="0"/>
-              <a:t>3/15/2023</a:t>
+              <a:t>4/19/2023</a:t>
             </a:fld>
             <a:endParaRPr lang="en-US" dirty="0"/>
           </a:p>
@@ -2290,7 +2271,7 @@
           <a:p>
             <a:fld id="{C764DE79-268F-4C1A-8933-263129D2AF90}" type="datetimeFigureOut">
               <a:rPr lang="en-US" dirty="0"/>
-              <a:t>3/15/2023</a:t>
+              <a:t>4/19/2023</a:t>
             </a:fld>
             <a:endParaRPr lang="en-US" dirty="0"/>
           </a:p>
@@ -2565,7 +2546,7 @@
           <a:p>
             <a:fld id="{C764DE79-268F-4C1A-8933-263129D2AF90}" type="datetimeFigureOut">
               <a:rPr lang="en-US" dirty="0"/>
-              <a:t>3/15/2023</a:t>
+              <a:t>4/19/2023</a:t>
             </a:fld>
             <a:endParaRPr lang="en-US" dirty="0"/>
           </a:p>
@@ -2817,7 +2798,7 @@
           <a:p>
             <a:fld id="{C764DE79-268F-4C1A-8933-263129D2AF90}" type="datetimeFigureOut">
               <a:rPr lang="en-US" dirty="0"/>
-              <a:t>3/15/2023</a:t>
+              <a:t>4/19/2023</a:t>
             </a:fld>
             <a:endParaRPr lang="en-US" dirty="0"/>
           </a:p>
@@ -3028,7 +3009,7 @@
           <a:p>
             <a:fld id="{C764DE79-268F-4C1A-8933-263129D2AF90}" type="datetimeFigureOut">
               <a:rPr lang="en-US" dirty="0"/>
-              <a:t>3/15/2023</a:t>
+              <a:t>4/19/2023</a:t>
             </a:fld>
             <a:endParaRPr lang="en-US" dirty="0"/>
           </a:p>
@@ -3450,7 +3431,7 @@
           <p:cNvPr id="9" name="Rectangle 8">
             <a:extLst>
               <a:ext uri="{FF2B5EF4-FFF2-40B4-BE49-F238E27FC236}">
-                <a16:creationId xmlns:a16="http://schemas.microsoft.com/office/drawing/2014/main" id="{C47F3FAD-C6B9-8C4F-8B30-A986CB23085B}"/>
+                <a16:creationId xmlns:a16="http://schemas.microsoft.com/office/drawing/2014/main" xmlns="" id="{C47F3FAD-C6B9-8C4F-8B30-A986CB23085B}"/>
               </a:ext>
             </a:extLst>
           </p:cNvPr>
@@ -3509,7 +3490,7 @@
           <p:cNvPr id="3" name="Rectangle 2">
             <a:extLst>
               <a:ext uri="{FF2B5EF4-FFF2-40B4-BE49-F238E27FC236}">
-                <a16:creationId xmlns:a16="http://schemas.microsoft.com/office/drawing/2014/main" id="{88DDFA2C-2F36-D968-40AA-A965EB5050B2}"/>
+                <a16:creationId xmlns:a16="http://schemas.microsoft.com/office/drawing/2014/main" xmlns="" id="{88DDFA2C-2F36-D968-40AA-A965EB5050B2}"/>
               </a:ext>
             </a:extLst>
           </p:cNvPr>
@@ -3570,7 +3551,7 @@
           <p:cNvPr id="6" name="Rectangle 5">
             <a:extLst>
               <a:ext uri="{FF2B5EF4-FFF2-40B4-BE49-F238E27FC236}">
-                <a16:creationId xmlns:a16="http://schemas.microsoft.com/office/drawing/2014/main" id="{E5CF6F59-E51B-CD7A-8641-C5945425ABB0}"/>
+                <a16:creationId xmlns:a16="http://schemas.microsoft.com/office/drawing/2014/main" xmlns="" id="{E5CF6F59-E51B-CD7A-8641-C5945425ABB0}"/>
               </a:ext>
             </a:extLst>
           </p:cNvPr>
@@ -3630,7 +3611,7 @@
           <p:cNvPr id="7" name="Rectangle 6">
             <a:extLst>
               <a:ext uri="{FF2B5EF4-FFF2-40B4-BE49-F238E27FC236}">
-                <a16:creationId xmlns:a16="http://schemas.microsoft.com/office/drawing/2014/main" id="{D65E77C1-ACF8-AE57-88B9-BF5B6370A169}"/>
+                <a16:creationId xmlns:a16="http://schemas.microsoft.com/office/drawing/2014/main" xmlns="" id="{D65E77C1-ACF8-AE57-88B9-BF5B6370A169}"/>
               </a:ext>
             </a:extLst>
           </p:cNvPr>
@@ -3690,7 +3671,7 @@
           <p:cNvPr id="8" name="Rectangle 7">
             <a:extLst>
               <a:ext uri="{FF2B5EF4-FFF2-40B4-BE49-F238E27FC236}">
-                <a16:creationId xmlns:a16="http://schemas.microsoft.com/office/drawing/2014/main" id="{7CC6C423-3B86-1DAC-AB41-08C8E613F55B}"/>
+                <a16:creationId xmlns:a16="http://schemas.microsoft.com/office/drawing/2014/main" xmlns="" id="{7CC6C423-3B86-1DAC-AB41-08C8E613F55B}"/>
               </a:ext>
             </a:extLst>
           </p:cNvPr>
@@ -3750,7 +3731,7 @@
           <p:cNvPr id="10" name="Rectangle 9">
             <a:extLst>
               <a:ext uri="{FF2B5EF4-FFF2-40B4-BE49-F238E27FC236}">
-                <a16:creationId xmlns:a16="http://schemas.microsoft.com/office/drawing/2014/main" id="{E990CAAE-5C57-8DBA-E430-5FB552F01E35}"/>
+                <a16:creationId xmlns:a16="http://schemas.microsoft.com/office/drawing/2014/main" xmlns="" id="{E990CAAE-5C57-8DBA-E430-5FB552F01E35}"/>
               </a:ext>
             </a:extLst>
           </p:cNvPr>
@@ -3810,7 +3791,7 @@
           <p:cNvPr id="11" name="Rectangle 10">
             <a:extLst>
               <a:ext uri="{FF2B5EF4-FFF2-40B4-BE49-F238E27FC236}">
-                <a16:creationId xmlns:a16="http://schemas.microsoft.com/office/drawing/2014/main" id="{68D7AF90-CF57-5DD8-35E1-595846CB654E}"/>
+                <a16:creationId xmlns:a16="http://schemas.microsoft.com/office/drawing/2014/main" xmlns="" id="{68D7AF90-CF57-5DD8-35E1-595846CB654E}"/>
               </a:ext>
             </a:extLst>
           </p:cNvPr>
@@ -3870,7 +3851,7 @@
           <p:cNvPr id="12" name="Rectangle 11">
             <a:extLst>
               <a:ext uri="{FF2B5EF4-FFF2-40B4-BE49-F238E27FC236}">
-                <a16:creationId xmlns:a16="http://schemas.microsoft.com/office/drawing/2014/main" id="{EE6D384D-5EC6-D1C6-2D2D-0864D8ECBAC3}"/>
+                <a16:creationId xmlns:a16="http://schemas.microsoft.com/office/drawing/2014/main" xmlns="" id="{EE6D384D-5EC6-D1C6-2D2D-0864D8ECBAC3}"/>
               </a:ext>
             </a:extLst>
           </p:cNvPr>
@@ -3930,7 +3911,7 @@
           <p:cNvPr id="13" name="Rectangle 12">
             <a:extLst>
               <a:ext uri="{FF2B5EF4-FFF2-40B4-BE49-F238E27FC236}">
-                <a16:creationId xmlns:a16="http://schemas.microsoft.com/office/drawing/2014/main" id="{03FC9DD4-D205-5738-9213-D75202669115}"/>
+                <a16:creationId xmlns:a16="http://schemas.microsoft.com/office/drawing/2014/main" xmlns="" id="{03FC9DD4-D205-5738-9213-D75202669115}"/>
               </a:ext>
             </a:extLst>
           </p:cNvPr>
@@ -4006,6 +3987,147 @@
       </p:transition>
     </mc:Fallback>
   </mc:AlternateContent>
+  <p:timing>
+    <p:tnLst>
+      <p:par>
+        <p:cTn id="1" dur="indefinite" restart="never" nodeType="tmRoot"/>
+      </p:par>
+    </p:tnLst>
+  </p:timing>
+</p:sld>
+</file>
+
+<file path=ppt/slides/slide2.xml><?xml version="1.0" encoding="utf-8"?>
+<p:sld xmlns:a="http://schemas.openxmlformats.org/drawingml/2006/main" xmlns:r="http://schemas.openxmlformats.org/officeDocument/2006/relationships" xmlns:p="http://schemas.openxmlformats.org/presentationml/2006/main">
+  <p:cSld>
+    <p:spTree>
+      <p:nvGrpSpPr>
+        <p:cNvPr id="1" name=""/>
+        <p:cNvGrpSpPr/>
+        <p:nvPr/>
+      </p:nvGrpSpPr>
+      <p:grpSpPr>
+        <a:xfrm>
+          <a:off x="0" y="0"/>
+          <a:ext cx="0" cy="0"/>
+          <a:chOff x="0" y="0"/>
+          <a:chExt cx="0" cy="0"/>
+        </a:xfrm>
+      </p:grpSpPr>
+      <p:graphicFrame>
+        <p:nvGraphicFramePr>
+          <p:cNvPr id="2" name="Table 1"/>
+          <p:cNvGraphicFramePr>
+            <a:graphicFrameLocks noGrp="1"/>
+          </p:cNvGraphicFramePr>
+          <p:nvPr>
+            <p:extLst>
+              <p:ext uri="{D42A27DB-BD31-4B8C-83A1-F6EECF244321}">
+                <p14:modId xmlns:p14="http://schemas.microsoft.com/office/powerpoint/2010/main" val="1132740224"/>
+              </p:ext>
+            </p:extLst>
+          </p:nvPr>
+        </p:nvGraphicFramePr>
+        <p:xfrm>
+          <a:off x="2172275" y="1915844"/>
+          <a:ext cx="8128000" cy="1665316"/>
+        </p:xfrm>
+        <a:graphic>
+          <a:graphicData uri="http://schemas.openxmlformats.org/drawingml/2006/table">
+            <a:tbl>
+              <a:tblPr firstRow="1" bandRow="1">
+                <a:effectLst>
+                  <a:outerShdw sx="130000" sy="130000" algn="ctr" rotWithShape="0">
+                    <a:prstClr val="black"/>
+                  </a:outerShdw>
+                </a:effectLst>
+                <a:tableStyleId>{5C22544A-7EE6-4342-B048-85BDC9FD1C3A}</a:tableStyleId>
+              </a:tblPr>
+              <a:tblGrid>
+                <a:gridCol w="4064000"/>
+                <a:gridCol w="4064000"/>
+              </a:tblGrid>
+              <a:tr h="832658">
+                <a:tc>
+                  <a:txBody>
+                    <a:bodyPr/>
+                    <a:lstStyle/>
+                    <a:p>
+                      <a:r>
+                        <a:rPr lang="tr-TR" dirty="0" smtClean="0"/>
+                        <a:t>Some</a:t>
+                      </a:r>
+                      <a:endParaRPr lang="en-US" dirty="0"/>
+                    </a:p>
+                  </a:txBody>
+                  <a:tcPr/>
+                </a:tc>
+                <a:tc>
+                  <a:txBody>
+                    <a:bodyPr/>
+                    <a:lstStyle/>
+                    <a:p>
+                      <a:r>
+                        <a:rPr lang="tr-TR" dirty="0" smtClean="0"/>
+                        <a:t>Table</a:t>
+                      </a:r>
+                      <a:endParaRPr lang="en-US" dirty="0"/>
+                    </a:p>
+                  </a:txBody>
+                  <a:tcPr/>
+                </a:tc>
+              </a:tr>
+              <a:tr h="832658">
+                <a:tc>
+                  <a:txBody>
+                    <a:bodyPr/>
+                    <a:lstStyle/>
+                    <a:p>
+                      <a:r>
+                        <a:rPr lang="tr-TR" dirty="0" smtClean="0"/>
+                        <a:t>With</a:t>
+                      </a:r>
+                      <a:endParaRPr lang="en-US" dirty="0"/>
+                    </a:p>
+                  </a:txBody>
+                  <a:tcPr/>
+                </a:tc>
+                <a:tc>
+                  <a:txBody>
+                    <a:bodyPr/>
+                    <a:lstStyle/>
+                    <a:p>
+                      <a:r>
+                        <a:rPr lang="tr-TR" baseline="0" dirty="0" smtClean="0"/>
+                        <a:t>Center shadow alignment</a:t>
+                      </a:r>
+                      <a:endParaRPr lang="en-US" dirty="0"/>
+                    </a:p>
+                  </a:txBody>
+                  <a:tcPr/>
+                </a:tc>
+              </a:tr>
+            </a:tbl>
+          </a:graphicData>
+        </a:graphic>
+      </p:graphicFrame>
+    </p:spTree>
+    <p:extLst>
+      <p:ext uri="{BB962C8B-B14F-4D97-AF65-F5344CB8AC3E}">
+        <p14:creationId xmlns:p14="http://schemas.microsoft.com/office/powerpoint/2010/main" val="4201615450"/>
+      </p:ext>
+    </p:extLst>
+  </p:cSld>
+  <p:clrMapOvr>
+    <a:masterClrMapping/>
+  </p:clrMapOvr>
+  <p:timing>
+    <p:tnLst>
+      <p:par>
+        <p:cTn id="1" dur="indefinite" restart="never" nodeType="tmRoot"/>
+      </p:par>
+    </p:tnLst>
+  </p:timing>
 </p:sld>
 </file>
 
@@ -4529,304 +4651,4 @@
     </a:ext>
   </a:extLst>
 </a:theme>
-</file>
-
-<file path=customXml/item1.xml><?xml version="1.0" encoding="utf-8"?>
-<?mso-contentType ?>
-<FormTemplates xmlns="http://schemas.microsoft.com/sharepoint/v3/contenttype/forms">
-  <Display>DocumentLibraryForm</Display>
-  <Edit>DocumentLibraryForm</Edit>
-  <New>DocumentLibraryForm</New>
-</FormTemplates>
-</file>
-
-<file path=customXml/item2.xml><?xml version="1.0" encoding="utf-8"?>
-<ct:contentTypeSchema xmlns:ct="http://schemas.microsoft.com/office/2006/metadata/contentType" xmlns:ma="http://schemas.microsoft.com/office/2006/metadata/properties/metaAttributes" ct:_="" ma:_="" ma:contentTypeName="Document" ma:contentTypeID="0x010100A7B260A5CDD0B945931DC8AD3570BA13" ma:contentTypeVersion="13" ma:contentTypeDescription="Create a new document." ma:contentTypeScope="" ma:versionID="7254518c94b6ba2e0c79faedacc2b41b">
-  <xsd:schema xmlns:xsd="http://www.w3.org/2001/XMLSchema" xmlns:xs="http://www.w3.org/2001/XMLSchema" xmlns:p="http://schemas.microsoft.com/office/2006/metadata/properties" xmlns:ns2="5187d7ca-9d49-4397-a7a6-4dffe3d83413" xmlns:ns3="d34cf168-afa1-4b77-9e8b-84c256c0c2e8" targetNamespace="http://schemas.microsoft.com/office/2006/metadata/properties" ma:root="true" ma:fieldsID="1836e9f31ad21eea84ec1faced46db8d" ns2:_="" ns3:_="">
-    <xsd:import namespace="5187d7ca-9d49-4397-a7a6-4dffe3d83413"/>
-    <xsd:import namespace="d34cf168-afa1-4b77-9e8b-84c256c0c2e8"/>
-    <xsd:element name="properties">
-      <xsd:complexType>
-        <xsd:sequence>
-          <xsd:element name="documentManagement">
-            <xsd:complexType>
-              <xsd:all>
-                <xsd:element ref="ns2:MediaServiceMetadata" minOccurs="0"/>
-                <xsd:element ref="ns2:MediaServiceFastMetadata" minOccurs="0"/>
-                <xsd:element ref="ns2:MediaServiceAutoTags" minOccurs="0"/>
-                <xsd:element ref="ns2:MediaServiceGenerationTime" minOccurs="0"/>
-                <xsd:element ref="ns2:MediaServiceEventHashCode" minOccurs="0"/>
-                <xsd:element ref="ns2:MediaServiceDateTaken" minOccurs="0"/>
-                <xsd:element ref="ns2:MediaServiceOCR" minOccurs="0"/>
-                <xsd:element ref="ns2:MediaServiceAutoKeyPoints" minOccurs="0"/>
-                <xsd:element ref="ns2:MediaServiceKeyPoints" minOccurs="0"/>
-                <xsd:element ref="ns3:SharedWithUsers" minOccurs="0"/>
-                <xsd:element ref="ns3:SharedWithDetails" minOccurs="0"/>
-                <xsd:element ref="ns2:MediaLengthInSeconds" minOccurs="0"/>
-                <xsd:element ref="ns2:MediaServiceLocation" minOccurs="0"/>
-              </xsd:all>
-            </xsd:complexType>
-          </xsd:element>
-        </xsd:sequence>
-      </xsd:complexType>
-    </xsd:element>
-  </xsd:schema>
-  <xsd:schema xmlns:xsd="http://www.w3.org/2001/XMLSchema" xmlns:xs="http://www.w3.org/2001/XMLSchema" xmlns:dms="http://schemas.microsoft.com/office/2006/documentManagement/types" xmlns:pc="http://schemas.microsoft.com/office/infopath/2007/PartnerControls" targetNamespace="5187d7ca-9d49-4397-a7a6-4dffe3d83413" elementFormDefault="qualified">
-    <xsd:import namespace="http://schemas.microsoft.com/office/2006/documentManagement/types"/>
-    <xsd:import namespace="http://schemas.microsoft.com/office/infopath/2007/PartnerControls"/>
-    <xsd:element name="MediaServiceMetadata" ma:index="8" nillable="true" ma:displayName="MediaServiceMetadata" ma:hidden="true" ma:internalName="MediaServiceMetadata" ma:readOnly="true">
-      <xsd:simpleType>
-        <xsd:restriction base="dms:Note"/>
-      </xsd:simpleType>
-    </xsd:element>
-    <xsd:element name="MediaServiceFastMetadata" ma:index="9" nillable="true" ma:displayName="MediaServiceFastMetadata" ma:hidden="true" ma:internalName="MediaServiceFastMetadata" ma:readOnly="true">
-      <xsd:simpleType>
-        <xsd:restriction base="dms:Note"/>
-      </xsd:simpleType>
-    </xsd:element>
-    <xsd:element name="MediaServiceAutoTags" ma:index="10" nillable="true" ma:displayName="Tags" ma:internalName="MediaServiceAutoTags" ma:readOnly="true">
-      <xsd:simpleType>
-        <xsd:restriction base="dms:Text"/>
-      </xsd:simpleType>
-    </xsd:element>
-    <xsd:element name="MediaServiceGenerationTime" ma:index="11" nillable="true" ma:displayName="MediaServiceGenerationTime" ma:hidden="true" ma:internalName="MediaServiceGenerationTime" ma:readOnly="true">
-      <xsd:simpleType>
-        <xsd:restriction base="dms:Text"/>
-      </xsd:simpleType>
-    </xsd:element>
-    <xsd:element name="MediaServiceEventHashCode" ma:index="12" nillable="true" ma:displayName="MediaServiceEventHashCode" ma:hidden="true" ma:internalName="MediaServiceEventHashCode" ma:readOnly="true">
-      <xsd:simpleType>
-        <xsd:restriction base="dms:Text"/>
-      </xsd:simpleType>
-    </xsd:element>
-    <xsd:element name="MediaServiceDateTaken" ma:index="13" nillable="true" ma:displayName="MediaServiceDateTaken" ma:hidden="true" ma:internalName="MediaServiceDateTaken" ma:readOnly="true">
-      <xsd:simpleType>
-        <xsd:restriction base="dms:Text"/>
-      </xsd:simpleType>
-    </xsd:element>
-    <xsd:element name="MediaServiceOCR" ma:index="14" nillable="true" ma:displayName="Extracted Text" ma:internalName="MediaServiceOCR" ma:readOnly="true">
-      <xsd:simpleType>
-        <xsd:restriction base="dms:Note">
-          <xsd:maxLength value="255"/>
-        </xsd:restriction>
-      </xsd:simpleType>
-    </xsd:element>
-    <xsd:element name="MediaServiceAutoKeyPoints" ma:index="15" nillable="true" ma:displayName="MediaServiceAutoKeyPoints" ma:hidden="true" ma:internalName="MediaServiceAutoKeyPoints" ma:readOnly="true">
-      <xsd:simpleType>
-        <xsd:restriction base="dms:Note"/>
-      </xsd:simpleType>
-    </xsd:element>
-    <xsd:element name="MediaServiceKeyPoints" ma:index="16" nillable="true" ma:displayName="KeyPoints" ma:internalName="MediaServiceKeyPoints" ma:readOnly="true">
-      <xsd:simpleType>
-        <xsd:restriction base="dms:Note">
-          <xsd:maxLength value="255"/>
-        </xsd:restriction>
-      </xsd:simpleType>
-    </xsd:element>
-    <xsd:element name="MediaLengthInSeconds" ma:index="19" nillable="true" ma:displayName="Length (seconds)" ma:internalName="MediaLengthInSeconds" ma:readOnly="true">
-      <xsd:simpleType>
-        <xsd:restriction base="dms:Unknown"/>
-      </xsd:simpleType>
-    </xsd:element>
-    <xsd:element name="MediaServiceLocation" ma:index="20" nillable="true" ma:displayName="Location" ma:internalName="MediaServiceLocation" ma:readOnly="true">
-      <xsd:simpleType>
-        <xsd:restriction base="dms:Text"/>
-      </xsd:simpleType>
-    </xsd:element>
-  </xsd:schema>
-  <xsd:schema xmlns:xsd="http://www.w3.org/2001/XMLSchema" xmlns:xs="http://www.w3.org/2001/XMLSchema" xmlns:dms="http://schemas.microsoft.com/office/2006/documentManagement/types" xmlns:pc="http://schemas.microsoft.com/office/infopath/2007/PartnerControls" targetNamespace="d34cf168-afa1-4b77-9e8b-84c256c0c2e8" elementFormDefault="qualified">
-    <xsd:import namespace="http://schemas.microsoft.com/office/2006/documentManagement/types"/>
-    <xsd:import namespace="http://schemas.microsoft.com/office/infopath/2007/PartnerControls"/>
-    <xsd:element name="SharedWithUsers" ma:index="17" nillable="true" ma:displayName="Shared With" ma:internalName="SharedWithUsers" ma:readOnly="true">
-      <xsd:complexType>
-        <xsd:complexContent>
-          <xsd:extension base="dms:UserMulti">
-            <xsd:sequence>
-              <xsd:element name="UserInfo" minOccurs="0" maxOccurs="unbounded">
-                <xsd:complexType>
-                  <xsd:sequence>
-                    <xsd:element name="DisplayName" type="xsd:string" minOccurs="0"/>
-                    <xsd:element name="AccountId" type="dms:UserId" minOccurs="0" nillable="true"/>
-                    <xsd:element name="AccountType" type="xsd:string" minOccurs="0"/>
-                  </xsd:sequence>
-                </xsd:complexType>
-              </xsd:element>
-            </xsd:sequence>
-          </xsd:extension>
-        </xsd:complexContent>
-      </xsd:complexType>
-    </xsd:element>
-    <xsd:element name="SharedWithDetails" ma:index="18" nillable="true" ma:displayName="Shared With Details" ma:internalName="SharedWithDetails" ma:readOnly="true">
-      <xsd:simpleType>
-        <xsd:restriction base="dms:Note">
-          <xsd:maxLength value="255"/>
-        </xsd:restriction>
-      </xsd:simpleType>
-    </xsd:element>
-  </xsd:schema>
-  <xsd:schema xmlns="http://schemas.openxmlformats.org/package/2006/metadata/core-properties" xmlns:xsd="http://www.w3.org/2001/XMLSchema" xmlns:xsi="http://www.w3.org/2001/XMLSchema-instance" xmlns:dc="http://purl.org/dc/elements/1.1/" xmlns:dcterms="http://purl.org/dc/terms/" xmlns:odoc="http://schemas.microsoft.com/internal/obd" targetNamespace="http://schemas.openxmlformats.org/package/2006/metadata/core-properties" elementFormDefault="qualified" attributeFormDefault="unqualified" blockDefault="#all">
-    <xsd:import namespace="http://purl.org/dc/elements/1.1/" schemaLocation="http://dublincore.org/schemas/xmls/qdc/2003/04/02/dc.xsd"/>
-    <xsd:import namespace="http://purl.org/dc/terms/" schemaLocation="http://dublincore.org/schemas/xmls/qdc/2003/04/02/dcterms.xsd"/>
-    <xsd:element name="coreProperties" type="CT_coreProperties"/>
-    <xsd:complexType name="CT_coreProperties">
-      <xsd:all>
-        <xsd:element ref="dc:creator" minOccurs="0" maxOccurs="1"/>
-        <xsd:element ref="dcterms:created" minOccurs="0" maxOccurs="1"/>
-        <xsd:element ref="dc:identifier" minOccurs="0" maxOccurs="1"/>
-        <xsd:element name="contentType" minOccurs="0" maxOccurs="1" type="xsd:string" ma:index="0" ma:displayName="Content Type"/>
-        <xsd:element ref="dc:title" minOccurs="0" maxOccurs="1" ma:index="4" ma:displayName="Title"/>
-        <xsd:element ref="dc:subject" minOccurs="0" maxOccurs="1"/>
-        <xsd:element ref="dc:description" minOccurs="0" maxOccurs="1"/>
-        <xsd:element name="keywords" minOccurs="0" maxOccurs="1" type="xsd:string"/>
-        <xsd:element ref="dc:language" minOccurs="0" maxOccurs="1"/>
-        <xsd:element name="category" minOccurs="0" maxOccurs="1" type="xsd:string"/>
-        <xsd:element name="version" minOccurs="0" maxOccurs="1" type="xsd:string"/>
-        <xsd:element name="revision" minOccurs="0" maxOccurs="1" type="xsd:string">
-          <xsd:annotation>
-            <xsd:documentation>
-                        This value indicates the number of saves or revisions. The application is responsible for updating this value after each revision.
-                    </xsd:documentation>
-          </xsd:annotation>
-        </xsd:element>
-        <xsd:element name="lastModifiedBy" minOccurs="0" maxOccurs="1" type="xsd:string"/>
-        <xsd:element ref="dcterms:modified" minOccurs="0" maxOccurs="1"/>
-        <xsd:element name="contentStatus" minOccurs="0" maxOccurs="1" type="xsd:string"/>
-      </xsd:all>
-    </xsd:complexType>
-  </xsd:schema>
-  <xs:schema xmlns:pc="http://schemas.microsoft.com/office/infopath/2007/PartnerControls" xmlns:xs="http://www.w3.org/2001/XMLSchema" targetNamespace="http://schemas.microsoft.com/office/infopath/2007/PartnerControls" elementFormDefault="qualified" attributeFormDefault="unqualified">
-    <xs:element name="Person">
-      <xs:complexType>
-        <xs:sequence>
-          <xs:element ref="pc:DisplayName" minOccurs="0"/>
-          <xs:element ref="pc:AccountId" minOccurs="0"/>
-          <xs:element ref="pc:AccountType" minOccurs="0"/>
-        </xs:sequence>
-      </xs:complexType>
-    </xs:element>
-    <xs:element name="DisplayName" type="xs:string"/>
-    <xs:element name="AccountId" type="xs:string"/>
-    <xs:element name="AccountType" type="xs:string"/>
-    <xs:element name="BDCAssociatedEntity">
-      <xs:complexType>
-        <xs:sequence>
-          <xs:element ref="pc:BDCEntity" minOccurs="0" maxOccurs="unbounded"/>
-        </xs:sequence>
-        <xs:attribute ref="pc:EntityNamespace"/>
-        <xs:attribute ref="pc:EntityName"/>
-        <xs:attribute ref="pc:SystemInstanceName"/>
-        <xs:attribute ref="pc:AssociationName"/>
-      </xs:complexType>
-    </xs:element>
-    <xs:attribute name="EntityNamespace" type="xs:string"/>
-    <xs:attribute name="EntityName" type="xs:string"/>
-    <xs:attribute name="SystemInstanceName" type="xs:string"/>
-    <xs:attribute name="AssociationName" type="xs:string"/>
-    <xs:element name="BDCEntity">
-      <xs:complexType>
-        <xs:sequence>
-          <xs:element ref="pc:EntityDisplayName" minOccurs="0"/>
-          <xs:element ref="pc:EntityInstanceReference" minOccurs="0"/>
-          <xs:element ref="pc:EntityId1" minOccurs="0"/>
-          <xs:element ref="pc:EntityId2" minOccurs="0"/>
-          <xs:element ref="pc:EntityId3" minOccurs="0"/>
-          <xs:element ref="pc:EntityId4" minOccurs="0"/>
-          <xs:element ref="pc:EntityId5" minOccurs="0"/>
-        </xs:sequence>
-      </xs:complexType>
-    </xs:element>
-    <xs:element name="EntityDisplayName" type="xs:string"/>
-    <xs:element name="EntityInstanceReference" type="xs:string"/>
-    <xs:element name="EntityId1" type="xs:string"/>
-    <xs:element name="EntityId2" type="xs:string"/>
-    <xs:element name="EntityId3" type="xs:string"/>
-    <xs:element name="EntityId4" type="xs:string"/>
-    <xs:element name="EntityId5" type="xs:string"/>
-    <xs:element name="Terms">
-      <xs:complexType>
-        <xs:sequence>
-          <xs:element ref="pc:TermInfo" minOccurs="0" maxOccurs="unbounded"/>
-        </xs:sequence>
-      </xs:complexType>
-    </xs:element>
-    <xs:element name="TermInfo">
-      <xs:complexType>
-        <xs:sequence>
-          <xs:element ref="pc:TermName" minOccurs="0"/>
-          <xs:element ref="pc:TermId" minOccurs="0"/>
-        </xs:sequence>
-      </xs:complexType>
-    </xs:element>
-    <xs:element name="TermName" type="xs:string"/>
-    <xs:element name="TermId" type="xs:string"/>
-  </xs:schema>
-</ct:contentTypeSchema>
-</file>
-
-<file path=customXml/item3.xml><?xml version="1.0" encoding="utf-8"?>
-<p:properties xmlns:p="http://schemas.microsoft.com/office/2006/metadata/properties" xmlns:xsi="http://www.w3.org/2001/XMLSchema-instance" xmlns:pc="http://schemas.microsoft.com/office/infopath/2007/PartnerControls">
-  <documentManagement>
-    <SharedWithUsers xmlns="d34cf168-afa1-4b77-9e8b-84c256c0c2e8">
-      <UserInfo>
-        <DisplayName>Matthias Eckermann</DisplayName>
-        <AccountId>367</AccountId>
-        <AccountType/>
-      </UserInfo>
-      <UserInfo>
-        <DisplayName>Thore Bahr</DisplayName>
-        <AccountId>142</AccountId>
-        <AccountType/>
-      </UserInfo>
-      <UserInfo>
-        <DisplayName>Stefan Behlert</DisplayName>
-        <AccountId>188</AccountId>
-        <AccountType/>
-      </UserInfo>
-    </SharedWithUsers>
-  </documentManagement>
-</p:properties>
-</file>
-
-<file path=customXml/itemProps1.xml><?xml version="1.0" encoding="utf-8"?>
-<ds:datastoreItem xmlns:ds="http://schemas.openxmlformats.org/officeDocument/2006/customXml" ds:itemID="{43D228E4-0704-48AB-A5B4-085B844E4893}">
-  <ds:schemaRefs>
-    <ds:schemaRef ds:uri="http://schemas.microsoft.com/sharepoint/v3/contenttype/forms"/>
-  </ds:schemaRefs>
-</ds:datastoreItem>
-</file>
-
-<file path=customXml/itemProps2.xml><?xml version="1.0" encoding="utf-8"?>
-<ds:datastoreItem xmlns:ds="http://schemas.openxmlformats.org/officeDocument/2006/customXml" ds:itemID="{0ADFEC51-B26E-4D98-A884-626ACDC4A582}">
-  <ds:schemaRefs>
-    <ds:schemaRef ds:uri="5187d7ca-9d49-4397-a7a6-4dffe3d83413"/>
-    <ds:schemaRef ds:uri="d34cf168-afa1-4b77-9e8b-84c256c0c2e8"/>
-    <ds:schemaRef ds:uri="http://purl.org/dc/elements/1.1/"/>
-    <ds:schemaRef ds:uri="http://purl.org/dc/terms/"/>
-    <ds:schemaRef ds:uri="http://schemas.microsoft.com/internal/obd"/>
-    <ds:schemaRef ds:uri="http://schemas.microsoft.com/office/2006/documentManagement/types"/>
-    <ds:schemaRef ds:uri="http://schemas.microsoft.com/office/2006/metadata/contentType"/>
-    <ds:schemaRef ds:uri="http://schemas.microsoft.com/office/2006/metadata/properties"/>
-    <ds:schemaRef ds:uri="http://schemas.microsoft.com/office/2006/metadata/properties/metaAttributes"/>
-    <ds:schemaRef ds:uri="http://schemas.microsoft.com/office/infopath/2007/PartnerControls"/>
-    <ds:schemaRef ds:uri="http://schemas.openxmlformats.org/package/2006/metadata/core-properties"/>
-    <ds:schemaRef ds:uri="http://www.w3.org/2001/XMLSchema"/>
-  </ds:schemaRefs>
-</ds:datastoreItem>
-</file>
-
-<file path=customXml/itemProps3.xml><?xml version="1.0" encoding="utf-8"?>
-<ds:datastoreItem xmlns:ds="http://schemas.openxmlformats.org/officeDocument/2006/customXml" ds:itemID="{BD3C6682-A717-4DEF-A002-EA59B5040EB5}">
-  <ds:schemaRefs>
-    <ds:schemaRef ds:uri="http://schemas.microsoft.com/office/2006/documentManagement/types"/>
-    <ds:schemaRef ds:uri="http://www.w3.org/XML/1998/namespace"/>
-    <ds:schemaRef ds:uri="http://schemas.microsoft.com/office/infopath/2007/PartnerControls"/>
-    <ds:schemaRef ds:uri="http://schemas.openxmlformats.org/package/2006/metadata/core-properties"/>
-    <ds:schemaRef ds:uri="http://purl.org/dc/dcmitype/"/>
-    <ds:schemaRef ds:uri="http://purl.org/dc/elements/1.1/"/>
-    <ds:schemaRef ds:uri="http://purl.org/dc/terms/"/>
-    <ds:schemaRef ds:uri="d34cf168-afa1-4b77-9e8b-84c256c0c2e8"/>
-    <ds:schemaRef ds:uri="5187d7ca-9d49-4397-a7a6-4dffe3d83413"/>
-    <ds:schemaRef ds:uri="http://schemas.microsoft.com/office/2006/metadata/properties"/>
-  </ds:schemaRefs>
-</ds:datastoreItem>
 </file>